--- a/BFF.UnitTestingInMSTest/BFF-UnitTestingInMSTest.pptx
+++ b/BFF.UnitTestingInMSTest/BFF-UnitTestingInMSTest.pptx
@@ -209,7 +209,7 @@
           <a:p>
             <a:fld id="{9F5F4416-AAE7-4AD9-98C9-1246FD135ADF}" type="datetimeFigureOut">
               <a:rPr lang="en-US" smtClean="0"/>
-              <a:t>6/8/2016</a:t>
+              <a:t>6/9/2016</a:t>
             </a:fld>
             <a:endParaRPr lang="en-US"/>
           </a:p>
@@ -1058,7 +1058,7 @@
           <a:p>
             <a:fld id="{4D721EF8-241A-4E5C-BF2A-DDF91CAE7716}" type="datetimeFigureOut">
               <a:rPr lang="en-US" smtClean="0"/>
-              <a:t>6/8/2016</a:t>
+              <a:t>6/9/2016</a:t>
             </a:fld>
             <a:endParaRPr lang="en-US"/>
           </a:p>
@@ -1228,7 +1228,7 @@
           <a:p>
             <a:fld id="{4D721EF8-241A-4E5C-BF2A-DDF91CAE7716}" type="datetimeFigureOut">
               <a:rPr lang="en-US" smtClean="0"/>
-              <a:t>6/8/2016</a:t>
+              <a:t>6/9/2016</a:t>
             </a:fld>
             <a:endParaRPr lang="en-US"/>
           </a:p>
@@ -1408,7 +1408,7 @@
           <a:p>
             <a:fld id="{4D721EF8-241A-4E5C-BF2A-DDF91CAE7716}" type="datetimeFigureOut">
               <a:rPr lang="en-US" smtClean="0"/>
-              <a:t>6/8/2016</a:t>
+              <a:t>6/9/2016</a:t>
             </a:fld>
             <a:endParaRPr lang="en-US"/>
           </a:p>
@@ -1578,7 +1578,7 @@
           <a:p>
             <a:fld id="{4D721EF8-241A-4E5C-BF2A-DDF91CAE7716}" type="datetimeFigureOut">
               <a:rPr lang="en-US" smtClean="0"/>
-              <a:t>6/8/2016</a:t>
+              <a:t>6/9/2016</a:t>
             </a:fld>
             <a:endParaRPr lang="en-US"/>
           </a:p>
@@ -1824,7 +1824,7 @@
           <a:p>
             <a:fld id="{4D721EF8-241A-4E5C-BF2A-DDF91CAE7716}" type="datetimeFigureOut">
               <a:rPr lang="en-US" smtClean="0"/>
-              <a:t>6/8/2016</a:t>
+              <a:t>6/9/2016</a:t>
             </a:fld>
             <a:endParaRPr lang="en-US"/>
           </a:p>
@@ -2056,7 +2056,7 @@
           <a:p>
             <a:fld id="{4D721EF8-241A-4E5C-BF2A-DDF91CAE7716}" type="datetimeFigureOut">
               <a:rPr lang="en-US" smtClean="0"/>
-              <a:t>6/8/2016</a:t>
+              <a:t>6/9/2016</a:t>
             </a:fld>
             <a:endParaRPr lang="en-US"/>
           </a:p>
@@ -2423,7 +2423,7 @@
           <a:p>
             <a:fld id="{4D721EF8-241A-4E5C-BF2A-DDF91CAE7716}" type="datetimeFigureOut">
               <a:rPr lang="en-US" smtClean="0"/>
-              <a:t>6/8/2016</a:t>
+              <a:t>6/9/2016</a:t>
             </a:fld>
             <a:endParaRPr lang="en-US"/>
           </a:p>
@@ -2541,7 +2541,7 @@
           <a:p>
             <a:fld id="{4D721EF8-241A-4E5C-BF2A-DDF91CAE7716}" type="datetimeFigureOut">
               <a:rPr lang="en-US" smtClean="0"/>
-              <a:t>6/8/2016</a:t>
+              <a:t>6/9/2016</a:t>
             </a:fld>
             <a:endParaRPr lang="en-US"/>
           </a:p>
@@ -2636,7 +2636,7 @@
           <a:p>
             <a:fld id="{4D721EF8-241A-4E5C-BF2A-DDF91CAE7716}" type="datetimeFigureOut">
               <a:rPr lang="en-US" smtClean="0"/>
-              <a:t>6/8/2016</a:t>
+              <a:t>6/9/2016</a:t>
             </a:fld>
             <a:endParaRPr lang="en-US"/>
           </a:p>
@@ -2913,7 +2913,7 @@
           <a:p>
             <a:fld id="{4D721EF8-241A-4E5C-BF2A-DDF91CAE7716}" type="datetimeFigureOut">
               <a:rPr lang="en-US" smtClean="0"/>
-              <a:t>6/8/2016</a:t>
+              <a:t>6/9/2016</a:t>
             </a:fld>
             <a:endParaRPr lang="en-US"/>
           </a:p>
@@ -3166,7 +3166,7 @@
           <a:p>
             <a:fld id="{4D721EF8-241A-4E5C-BF2A-DDF91CAE7716}" type="datetimeFigureOut">
               <a:rPr lang="en-US" smtClean="0"/>
-              <a:t>6/8/2016</a:t>
+              <a:t>6/9/2016</a:t>
             </a:fld>
             <a:endParaRPr lang="en-US"/>
           </a:p>
@@ -3379,7 +3379,7 @@
           <a:p>
             <a:fld id="{4D721EF8-241A-4E5C-BF2A-DDF91CAE7716}" type="datetimeFigureOut">
               <a:rPr lang="en-US" smtClean="0"/>
-              <a:t>6/8/2016</a:t>
+              <a:t>6/9/2016</a:t>
             </a:fld>
             <a:endParaRPr lang="en-US"/>
           </a:p>
@@ -3807,39 +3807,6 @@
           </a:p>
         </p:txBody>
       </p:sp>
-      <p:pic>
-        <p:nvPicPr>
-          <p:cNvPr id="6" name="Picture 5"/>
-          <p:cNvPicPr/>
-          <p:nvPr/>
-        </p:nvPicPr>
-        <p:blipFill>
-          <a:blip r:embed="rId2">
-            <a:extLst>
-              <a:ext uri="{28A0092B-C50C-407E-A947-70E740481C1C}">
-                <a14:useLocalDpi xmlns:a14="http://schemas.microsoft.com/office/drawing/2010/main" val="0"/>
-              </a:ext>
-            </a:extLst>
-          </a:blip>
-          <a:srcRect/>
-          <a:stretch>
-            <a:fillRect/>
-          </a:stretch>
-        </p:blipFill>
-        <p:spPr bwMode="auto">
-          <a:xfrm>
-            <a:off x="4291012" y="3551094"/>
-            <a:ext cx="3609975" cy="2705100"/>
-          </a:xfrm>
-          <a:prstGeom prst="rect">
-            <a:avLst/>
-          </a:prstGeom>
-          <a:noFill/>
-          <a:ln>
-            <a:noFill/>
-          </a:ln>
-        </p:spPr>
-      </p:pic>
     </p:spTree>
     <p:extLst>
       <p:ext uri="{BB962C8B-B14F-4D97-AF65-F5344CB8AC3E}">
@@ -3992,11 +3959,7 @@
           <a:p>
             <a:r>
               <a:rPr lang="en-US" dirty="0" smtClean="0"/>
-              <a:t>Principles of Unit Testing: </a:t>
-            </a:r>
-            <a:r>
-              <a:rPr lang="en-US" dirty="0" smtClean="0"/>
-              <a:t>Test Attributes</a:t>
+              <a:t>Principles of Unit Testing: Test Attributes</a:t>
             </a:r>
             <a:endParaRPr lang="en-US" dirty="0"/>
           </a:p>
@@ -4888,7 +4851,7 @@
           <a:bodyPr/>
           <a:lstStyle/>
           <a:p>
-            <a:pPr marL="0" indent="0">
+            <a:pPr marL="0" indent="0" algn="ctr">
               <a:buNone/>
             </a:pPr>
             <a:r>
@@ -4897,7 +4860,19 @@
             </a:r>
             <a:r>
               <a:rPr lang="en-US" dirty="0" smtClean="0"/>
-              <a:t>ndividual software modules are combined and tested as a group</a:t>
+              <a:t>ndividual software modules </a:t>
+            </a:r>
+            <a:r>
+              <a:rPr lang="en-US" dirty="0" smtClean="0"/>
+              <a:t>combined </a:t>
+            </a:r>
+            <a:r>
+              <a:rPr lang="en-US" dirty="0" smtClean="0"/>
+              <a:t>and tested as a </a:t>
+            </a:r>
+            <a:r>
+              <a:rPr lang="en-US" dirty="0" smtClean="0"/>
+              <a:t>group are not unit tests</a:t>
             </a:r>
             <a:endParaRPr lang="en-US" dirty="0"/>
           </a:p>
@@ -4943,7 +4918,7 @@
         </p:blipFill>
         <p:spPr>
           <a:xfrm>
-            <a:off x="6172200" y="2839244"/>
+            <a:off x="6172200" y="2797679"/>
             <a:ext cx="5181600" cy="2419350"/>
           </a:xfrm>
           <a:prstGeom prst="rect">
@@ -5721,7 +5696,25 @@
           <a:bodyPr/>
           <a:lstStyle/>
           <a:p>
-            <a:endParaRPr lang="en-US"/>
+            <a:r>
+              <a:rPr lang="en-US" dirty="0" smtClean="0"/>
+              <a:t>Tests are written after the code</a:t>
+            </a:r>
+          </a:p>
+          <a:p>
+            <a:r>
+              <a:rPr lang="en-US" dirty="0" smtClean="0"/>
+              <a:t>Functionality drives tests</a:t>
+            </a:r>
+          </a:p>
+          <a:p>
+            <a:endParaRPr lang="en-US" dirty="0" smtClean="0"/>
+          </a:p>
+          <a:p>
+            <a:endParaRPr lang="en-US" dirty="0" smtClean="0"/>
+          </a:p>
+          <a:p>
+            <a:endParaRPr lang="en-US" dirty="0"/>
           </a:p>
         </p:txBody>
       </p:sp>
@@ -5763,10 +5756,55 @@
           <a:bodyPr/>
           <a:lstStyle/>
           <a:p>
-            <a:endParaRPr lang="en-US"/>
-          </a:p>
-        </p:txBody>
-      </p:sp>
+            <a:r>
+              <a:rPr lang="en-US" dirty="0" smtClean="0"/>
+              <a:t>Tests are written before the code</a:t>
+            </a:r>
+          </a:p>
+          <a:p>
+            <a:r>
+              <a:rPr lang="en-US" dirty="0" smtClean="0"/>
+              <a:t>Test drive functionality</a:t>
+            </a:r>
+          </a:p>
+          <a:p>
+            <a:endParaRPr lang="en-US" dirty="0"/>
+          </a:p>
+        </p:txBody>
+      </p:sp>
+      <p:pic>
+        <p:nvPicPr>
+          <p:cNvPr id="8" name="Picture 7"/>
+          <p:cNvPicPr/>
+          <p:nvPr/>
+        </p:nvPicPr>
+        <p:blipFill>
+          <a:blip r:embed="rId2">
+            <a:extLst>
+              <a:ext uri="{28A0092B-C50C-407E-A947-70E740481C1C}">
+                <a14:useLocalDpi xmlns:a14="http://schemas.microsoft.com/office/drawing/2010/main" val="0"/>
+              </a:ext>
+            </a:extLst>
+          </a:blip>
+          <a:srcRect/>
+          <a:stretch>
+            <a:fillRect/>
+          </a:stretch>
+        </p:blipFill>
+        <p:spPr bwMode="auto">
+          <a:xfrm>
+            <a:off x="4068180" y="3484563"/>
+            <a:ext cx="3609975" cy="2705100"/>
+          </a:xfrm>
+          <a:prstGeom prst="rect">
+            <a:avLst/>
+          </a:prstGeom>
+          <a:noFill/>
+          <a:ln>
+            <a:noFill/>
+          </a:ln>
+        </p:spPr>
+      </p:pic>
     </p:spTree>
     <p:extLst>
       <p:ext uri="{BB962C8B-B14F-4D97-AF65-F5344CB8AC3E}">
